--- a/강의자료/[12주차]FaceProcessing/3_face_tracking/Docs/3 Face Tracking(2021년 2학기).pptx
+++ b/강의자료/[12주차]FaceProcessing/3_face_tracking/Docs/3 Face Tracking(2021년 2학기).pptx
@@ -256,7 +256,7 @@
           <a:p>
             <a:fld id="{EFBA4A94-C0A5-45F6-B3BD-73507F07BB7F}" type="datetimeFigureOut">
               <a:rPr lang="ko-KR" altLang="en-US" smtClean="0"/>
-              <a:t>2021-11-18</a:t>
+              <a:t>2021-11-20</a:t>
             </a:fld>
             <a:endParaRPr lang="ko-KR" altLang="en-US"/>
           </a:p>
@@ -320,38 +320,37 @@
           <a:p>
             <a:pPr lvl="0"/>
             <a:r>
-              <a:rPr lang="ko-KR" altLang="en-US" smtClean="0"/>
+              <a:rPr lang="ko-KR" altLang="en-US"/>
               <a:t>마스터 텍스트 스타일을 편집합니다</a:t>
             </a:r>
           </a:p>
           <a:p>
             <a:pPr lvl="1"/>
             <a:r>
-              <a:rPr lang="ko-KR" altLang="en-US" smtClean="0"/>
+              <a:rPr lang="ko-KR" altLang="en-US"/>
               <a:t>둘째 수준</a:t>
             </a:r>
           </a:p>
           <a:p>
             <a:pPr lvl="2"/>
             <a:r>
-              <a:rPr lang="ko-KR" altLang="en-US" smtClean="0"/>
+              <a:rPr lang="ko-KR" altLang="en-US"/>
               <a:t>셋째 수준</a:t>
             </a:r>
           </a:p>
           <a:p>
             <a:pPr lvl="3"/>
             <a:r>
-              <a:rPr lang="ko-KR" altLang="en-US" smtClean="0"/>
+              <a:rPr lang="ko-KR" altLang="en-US"/>
               <a:t>넷째 수준</a:t>
             </a:r>
           </a:p>
           <a:p>
             <a:pPr lvl="4"/>
             <a:r>
-              <a:rPr lang="ko-KR" altLang="en-US" smtClean="0"/>
+              <a:rPr lang="ko-KR" altLang="en-US"/>
               <a:t>다섯째 수준</a:t>
             </a:r>
-            <a:endParaRPr lang="ko-KR" altLang="en-US"/>
           </a:p>
         </p:txBody>
       </p:sp>
@@ -766,7 +765,7 @@
           </a:lstStyle>
           <a:p>
             <a:r>
-              <a:rPr kumimoji="0" lang="ko-KR" altLang="en-US" dirty="0" smtClean="0"/>
+              <a:rPr kumimoji="0" lang="ko-KR" altLang="en-US" dirty="0"/>
               <a:t>제목</a:t>
             </a:r>
             <a:endParaRPr kumimoji="0" lang="en-US" dirty="0"/>
@@ -876,7 +875,7 @@
               </a:spcAft>
             </a:pPr>
             <a:r>
-              <a:rPr lang="en-US" altLang="ko-KR" sz="2400" b="1" cap="none" spc="50" dirty="0" smtClean="0">
+              <a:rPr lang="en-US" altLang="ko-KR" sz="2400" b="1" cap="none" spc="50" dirty="0">
                 <a:ln w="12700" cmpd="sng">
                   <a:solidFill>
                     <a:schemeClr val="accent6">
@@ -903,7 +902,7 @@
               <a:t>DIP</a:t>
             </a:r>
             <a:r>
-              <a:rPr lang="en-US" altLang="ko-KR" sz="2400" b="1" cap="none" spc="50" baseline="0" dirty="0" smtClean="0">
+              <a:rPr lang="en-US" altLang="ko-KR" sz="2400" b="1" cap="none" spc="50" baseline="0" dirty="0">
                 <a:ln w="12700" cmpd="sng">
                   <a:solidFill>
                     <a:schemeClr val="accent6">
@@ -996,7 +995,7 @@
           <a:p>
             <a:pPr algn="r"/>
             <a:r>
-              <a:rPr kumimoji="0" lang="ko-KR" altLang="en-US" sz="3200" b="1" cap="none" spc="0" dirty="0" smtClean="0">
+              <a:rPr kumimoji="0" lang="ko-KR" altLang="en-US" sz="3200" b="1" cap="none" spc="0" dirty="0">
                 <a:ln w="1905"/>
                 <a:gradFill>
                   <a:gsLst>
@@ -1033,7 +1032,7 @@
               <a:t>서경대학교</a:t>
             </a:r>
             <a:r>
-              <a:rPr kumimoji="0" lang="en-US" altLang="ko-KR" sz="3200" b="1" cap="none" spc="0" baseline="0" dirty="0" smtClean="0">
+              <a:rPr kumimoji="0" lang="en-US" altLang="ko-KR" sz="3200" b="1" cap="none" spc="0" baseline="0" dirty="0">
                 <a:ln w="1905"/>
                 <a:gradFill>
                   <a:gsLst>
@@ -1070,7 +1069,7 @@
               <a:t> </a:t>
             </a:r>
             <a:r>
-              <a:rPr kumimoji="0" lang="ko-KR" altLang="en-US" sz="3200" b="1" cap="none" spc="0" baseline="0" dirty="0" smtClean="0">
+              <a:rPr kumimoji="0" lang="ko-KR" altLang="en-US" sz="3200" b="1" cap="none" spc="0" baseline="0" dirty="0">
                 <a:ln w="1905"/>
                 <a:gradFill>
                   <a:gsLst>
@@ -1202,13 +1201,6 @@
   <p:clrMapOvr>
     <a:overrideClrMapping bg1="lt1" tx1="dk1" bg2="lt2" tx2="dk2" accent1="accent1" accent2="accent2" accent3="accent3" accent4="accent4" accent5="accent5" accent6="accent6" hlink="hlink" folHlink="folHlink"/>
   </p:clrMapOvr>
-  <p:timing>
-    <p:tnLst>
-      <p:par>
-        <p:cTn id="1" dur="indefinite" restart="never" nodeType="tmRoot"/>
-      </p:par>
-    </p:tnLst>
-  </p:timing>
 </p:sldLayout>
 </file>
 
@@ -1282,35 +1274,35 @@
           <a:p>
             <a:pPr lvl="0" eaLnBrk="1" latinLnBrk="0" hangingPunct="1"/>
             <a:r>
-              <a:rPr lang="ko-KR" altLang="en-US" dirty="0" smtClean="0"/>
+              <a:rPr lang="ko-KR" altLang="en-US" dirty="0"/>
               <a:t>마스터 텍스트 스타일을 편집합니다</a:t>
             </a:r>
           </a:p>
           <a:p>
             <a:pPr lvl="1" eaLnBrk="1" latinLnBrk="0" hangingPunct="1"/>
             <a:r>
-              <a:rPr lang="ko-KR" altLang="en-US" dirty="0" smtClean="0"/>
+              <a:rPr lang="ko-KR" altLang="en-US" dirty="0"/>
               <a:t>둘째 수준</a:t>
             </a:r>
           </a:p>
           <a:p>
             <a:pPr lvl="2" eaLnBrk="1" latinLnBrk="0" hangingPunct="1"/>
             <a:r>
-              <a:rPr lang="ko-KR" altLang="en-US" dirty="0" smtClean="0"/>
+              <a:rPr lang="ko-KR" altLang="en-US" dirty="0"/>
               <a:t>셋째 수준</a:t>
             </a:r>
           </a:p>
           <a:p>
             <a:pPr lvl="3" eaLnBrk="1" latinLnBrk="0" hangingPunct="1"/>
             <a:r>
-              <a:rPr lang="ko-KR" altLang="en-US" dirty="0" smtClean="0"/>
+              <a:rPr lang="ko-KR" altLang="en-US" dirty="0"/>
               <a:t>넷째 수준</a:t>
             </a:r>
           </a:p>
           <a:p>
             <a:pPr lvl="4" eaLnBrk="1" latinLnBrk="0" hangingPunct="1"/>
             <a:r>
-              <a:rPr lang="ko-KR" altLang="en-US" dirty="0" smtClean="0"/>
+              <a:rPr lang="ko-KR" altLang="en-US" dirty="0"/>
               <a:t>다섯째 수준</a:t>
             </a:r>
             <a:endParaRPr kumimoji="0" lang="en-US" dirty="0"/>
@@ -1340,10 +1332,9 @@
           </a:lstStyle>
           <a:p>
             <a:r>
-              <a:rPr lang="ko-KR" altLang="en-US" dirty="0" smtClean="0"/>
+              <a:rPr lang="ko-KR" altLang="en-US" dirty="0"/>
               <a:t>마스터 제목 스타일 편집</a:t>
             </a:r>
-            <a:endParaRPr lang="ko-KR" altLang="en-US" dirty="0"/>
           </a:p>
         </p:txBody>
       </p:sp>
@@ -1549,7 +1540,7 @@
           <a:lstStyle/>
           <a:p>
             <a:r>
-              <a:rPr kumimoji="0" lang="ko-KR" altLang="en-US" smtClean="0"/>
+              <a:rPr kumimoji="0" lang="ko-KR" altLang="en-US"/>
               <a:t>마스터 제목 스타일 편집</a:t>
             </a:r>
             <a:endParaRPr kumimoji="0" lang="en-US"/>
@@ -1578,35 +1569,35 @@
           <a:p>
             <a:pPr lvl="0" eaLnBrk="1" latinLnBrk="0" hangingPunct="1"/>
             <a:r>
-              <a:rPr lang="ko-KR" altLang="en-US" smtClean="0"/>
+              <a:rPr lang="ko-KR" altLang="en-US"/>
               <a:t>마스터 텍스트 스타일을 편집합니다</a:t>
             </a:r>
           </a:p>
           <a:p>
             <a:pPr lvl="1" eaLnBrk="1" latinLnBrk="0" hangingPunct="1"/>
             <a:r>
-              <a:rPr lang="ko-KR" altLang="en-US" smtClean="0"/>
+              <a:rPr lang="ko-KR" altLang="en-US"/>
               <a:t>둘째 수준</a:t>
             </a:r>
           </a:p>
           <a:p>
             <a:pPr lvl="2" eaLnBrk="1" latinLnBrk="0" hangingPunct="1"/>
             <a:r>
-              <a:rPr lang="ko-KR" altLang="en-US" smtClean="0"/>
+              <a:rPr lang="ko-KR" altLang="en-US"/>
               <a:t>셋째 수준</a:t>
             </a:r>
           </a:p>
           <a:p>
             <a:pPr lvl="3" eaLnBrk="1" latinLnBrk="0" hangingPunct="1"/>
             <a:r>
-              <a:rPr lang="ko-KR" altLang="en-US" smtClean="0"/>
+              <a:rPr lang="ko-KR" altLang="en-US"/>
               <a:t>넷째 수준</a:t>
             </a:r>
           </a:p>
           <a:p>
             <a:pPr lvl="4" eaLnBrk="1" latinLnBrk="0" hangingPunct="1"/>
             <a:r>
-              <a:rPr lang="ko-KR" altLang="en-US" smtClean="0"/>
+              <a:rPr lang="ko-KR" altLang="en-US"/>
               <a:t>다섯째 수준</a:t>
             </a:r>
             <a:endParaRPr kumimoji="0" lang="en-US"/>
@@ -1635,35 +1626,35 @@
           <a:p>
             <a:pPr lvl="0" eaLnBrk="1" latinLnBrk="0" hangingPunct="1"/>
             <a:r>
-              <a:rPr lang="ko-KR" altLang="en-US" smtClean="0"/>
+              <a:rPr lang="ko-KR" altLang="en-US"/>
               <a:t>마스터 텍스트 스타일을 편집합니다</a:t>
             </a:r>
           </a:p>
           <a:p>
             <a:pPr lvl="1" eaLnBrk="1" latinLnBrk="0" hangingPunct="1"/>
             <a:r>
-              <a:rPr lang="ko-KR" altLang="en-US" smtClean="0"/>
+              <a:rPr lang="ko-KR" altLang="en-US"/>
               <a:t>둘째 수준</a:t>
             </a:r>
           </a:p>
           <a:p>
             <a:pPr lvl="2" eaLnBrk="1" latinLnBrk="0" hangingPunct="1"/>
             <a:r>
-              <a:rPr lang="ko-KR" altLang="en-US" smtClean="0"/>
+              <a:rPr lang="ko-KR" altLang="en-US"/>
               <a:t>셋째 수준</a:t>
             </a:r>
           </a:p>
           <a:p>
             <a:pPr lvl="3" eaLnBrk="1" latinLnBrk="0" hangingPunct="1"/>
             <a:r>
-              <a:rPr lang="ko-KR" altLang="en-US" smtClean="0"/>
+              <a:rPr lang="ko-KR" altLang="en-US"/>
               <a:t>넷째 수준</a:t>
             </a:r>
           </a:p>
           <a:p>
             <a:pPr lvl="4" eaLnBrk="1" latinLnBrk="0" hangingPunct="1"/>
             <a:r>
-              <a:rPr lang="ko-KR" altLang="en-US" smtClean="0"/>
+              <a:rPr lang="ko-KR" altLang="en-US"/>
               <a:t>다섯째 수준</a:t>
             </a:r>
             <a:endParaRPr kumimoji="0" lang="en-US"/>
@@ -1933,7 +1924,7 @@
           </a:lstStyle>
           <a:p>
             <a:r>
-              <a:rPr kumimoji="0" lang="ko-KR" altLang="en-US" smtClean="0"/>
+              <a:rPr kumimoji="0" lang="ko-KR" altLang="en-US"/>
               <a:t>마스터 제목 스타일 편집</a:t>
             </a:r>
             <a:endParaRPr kumimoji="0" lang="en-US"/>
@@ -1962,35 +1953,35 @@
           <a:p>
             <a:pPr lvl="0" eaLnBrk="1" latinLnBrk="0" hangingPunct="1"/>
             <a:r>
-              <a:rPr lang="ko-KR" altLang="en-US" smtClean="0"/>
+              <a:rPr lang="ko-KR" altLang="en-US"/>
               <a:t>마스터 텍스트 스타일을 편집합니다</a:t>
             </a:r>
           </a:p>
           <a:p>
             <a:pPr lvl="1" eaLnBrk="1" latinLnBrk="0" hangingPunct="1"/>
             <a:r>
-              <a:rPr lang="ko-KR" altLang="en-US" smtClean="0"/>
+              <a:rPr lang="ko-KR" altLang="en-US"/>
               <a:t>둘째 수준</a:t>
             </a:r>
           </a:p>
           <a:p>
             <a:pPr lvl="2" eaLnBrk="1" latinLnBrk="0" hangingPunct="1"/>
             <a:r>
-              <a:rPr lang="ko-KR" altLang="en-US" smtClean="0"/>
+              <a:rPr lang="ko-KR" altLang="en-US"/>
               <a:t>셋째 수준</a:t>
             </a:r>
           </a:p>
           <a:p>
             <a:pPr lvl="3" eaLnBrk="1" latinLnBrk="0" hangingPunct="1"/>
             <a:r>
-              <a:rPr lang="ko-KR" altLang="en-US" smtClean="0"/>
+              <a:rPr lang="ko-KR" altLang="en-US"/>
               <a:t>넷째 수준</a:t>
             </a:r>
           </a:p>
           <a:p>
             <a:pPr lvl="4" eaLnBrk="1" latinLnBrk="0" hangingPunct="1"/>
             <a:r>
-              <a:rPr lang="ko-KR" altLang="en-US" smtClean="0"/>
+              <a:rPr lang="ko-KR" altLang="en-US"/>
               <a:t>다섯째 수준</a:t>
             </a:r>
             <a:endParaRPr kumimoji="0" lang="en-US"/>
@@ -2019,35 +2010,35 @@
           <a:p>
             <a:pPr lvl="0" eaLnBrk="1" latinLnBrk="0" hangingPunct="1"/>
             <a:r>
-              <a:rPr lang="ko-KR" altLang="en-US" smtClean="0"/>
+              <a:rPr lang="ko-KR" altLang="en-US"/>
               <a:t>마스터 텍스트 스타일을 편집합니다</a:t>
             </a:r>
           </a:p>
           <a:p>
             <a:pPr lvl="1" eaLnBrk="1" latinLnBrk="0" hangingPunct="1"/>
             <a:r>
-              <a:rPr lang="ko-KR" altLang="en-US" smtClean="0"/>
+              <a:rPr lang="ko-KR" altLang="en-US"/>
               <a:t>둘째 수준</a:t>
             </a:r>
           </a:p>
           <a:p>
             <a:pPr lvl="2" eaLnBrk="1" latinLnBrk="0" hangingPunct="1"/>
             <a:r>
-              <a:rPr lang="ko-KR" altLang="en-US" smtClean="0"/>
+              <a:rPr lang="ko-KR" altLang="en-US"/>
               <a:t>셋째 수준</a:t>
             </a:r>
           </a:p>
           <a:p>
             <a:pPr lvl="3" eaLnBrk="1" latinLnBrk="0" hangingPunct="1"/>
             <a:r>
-              <a:rPr lang="ko-KR" altLang="en-US" smtClean="0"/>
+              <a:rPr lang="ko-KR" altLang="en-US"/>
               <a:t>넷째 수준</a:t>
             </a:r>
           </a:p>
           <a:p>
             <a:pPr lvl="4" eaLnBrk="1" latinLnBrk="0" hangingPunct="1"/>
             <a:r>
-              <a:rPr lang="ko-KR" altLang="en-US" smtClean="0"/>
+              <a:rPr lang="ko-KR" altLang="en-US"/>
               <a:t>다섯째 수준</a:t>
             </a:r>
             <a:endParaRPr kumimoji="0" lang="en-US"/>
@@ -2148,7 +2139,7 @@
           <a:p>
             <a:pPr lvl="0" eaLnBrk="1" latinLnBrk="0" hangingPunct="1"/>
             <a:r>
-              <a:rPr kumimoji="0" lang="ko-KR" altLang="en-US" smtClean="0"/>
+              <a:rPr kumimoji="0" lang="ko-KR" altLang="en-US"/>
               <a:t>마스터 텍스트 스타일을 편집합니다</a:t>
             </a:r>
           </a:p>
@@ -2189,7 +2180,7 @@
           <a:p>
             <a:pPr lvl="0" eaLnBrk="1" latinLnBrk="0" hangingPunct="1"/>
             <a:r>
-              <a:rPr kumimoji="0" lang="ko-KR" altLang="en-US" smtClean="0"/>
+              <a:rPr kumimoji="0" lang="ko-KR" altLang="en-US"/>
               <a:t>마스터 텍스트 스타일을 편집합니다</a:t>
             </a:r>
           </a:p>
@@ -2400,7 +2391,7 @@
           </a:lstStyle>
           <a:p>
             <a:r>
-              <a:rPr kumimoji="0" lang="ko-KR" altLang="en-US" smtClean="0"/>
+              <a:rPr kumimoji="0" lang="ko-KR" altLang="en-US"/>
               <a:t>마스터 제목 스타일 편집</a:t>
             </a:r>
             <a:endParaRPr kumimoji="0" lang="en-US"/>
@@ -2542,7 +2533,7 @@
           <a:p>
             <a:pPr lvl="0" eaLnBrk="1" latinLnBrk="0" hangingPunct="1"/>
             <a:r>
-              <a:rPr kumimoji="0" lang="ko-KR" altLang="en-US" smtClean="0"/>
+              <a:rPr kumimoji="0" lang="ko-KR" altLang="en-US"/>
               <a:t>마스터 텍스트 스타일을 편집합니다</a:t>
             </a:r>
           </a:p>
@@ -2570,35 +2561,35 @@
           <a:p>
             <a:pPr lvl="0" eaLnBrk="1" latinLnBrk="0" hangingPunct="1"/>
             <a:r>
-              <a:rPr lang="ko-KR" altLang="en-US" smtClean="0"/>
+              <a:rPr lang="ko-KR" altLang="en-US"/>
               <a:t>마스터 텍스트 스타일을 편집합니다</a:t>
             </a:r>
           </a:p>
           <a:p>
             <a:pPr lvl="1" eaLnBrk="1" latinLnBrk="0" hangingPunct="1"/>
             <a:r>
-              <a:rPr lang="ko-KR" altLang="en-US" smtClean="0"/>
+              <a:rPr lang="ko-KR" altLang="en-US"/>
               <a:t>둘째 수준</a:t>
             </a:r>
           </a:p>
           <a:p>
             <a:pPr lvl="2" eaLnBrk="1" latinLnBrk="0" hangingPunct="1"/>
             <a:r>
-              <a:rPr lang="ko-KR" altLang="en-US" smtClean="0"/>
+              <a:rPr lang="ko-KR" altLang="en-US"/>
               <a:t>셋째 수준</a:t>
             </a:r>
           </a:p>
           <a:p>
             <a:pPr lvl="3" eaLnBrk="1" latinLnBrk="0" hangingPunct="1"/>
             <a:r>
-              <a:rPr lang="ko-KR" altLang="en-US" smtClean="0"/>
+              <a:rPr lang="ko-KR" altLang="en-US"/>
               <a:t>넷째 수준</a:t>
             </a:r>
           </a:p>
           <a:p>
             <a:pPr lvl="4" eaLnBrk="1" latinLnBrk="0" hangingPunct="1"/>
             <a:r>
-              <a:rPr lang="ko-KR" altLang="en-US" smtClean="0"/>
+              <a:rPr lang="ko-KR" altLang="en-US"/>
               <a:t>다섯째 수준</a:t>
             </a:r>
             <a:endParaRPr kumimoji="0" lang="en-US"/>
@@ -3102,7 +3093,7 @@
           <a:lstStyle/>
           <a:p>
             <a:r>
-              <a:rPr kumimoji="0" lang="ko-KR" altLang="en-US" smtClean="0"/>
+              <a:rPr kumimoji="0" lang="ko-KR" altLang="en-US"/>
               <a:t>마스터 제목 스타일 편집</a:t>
             </a:r>
             <a:endParaRPr kumimoji="0" lang="en-US"/>
@@ -3127,7 +3118,7 @@
             <a:fld id="{FB30EDBD-1C2D-4C1E-B459-B60219FAB484}" type="datetimeFigureOut">
               <a:rPr lang="ko-KR" altLang="en-US" smtClean="0"/>
               <a:pPr/>
-              <a:t>2021-11-18</a:t>
+              <a:t>2021-11-20</a:t>
             </a:fld>
             <a:endParaRPr lang="ko-KR" altLang="en-US"/>
           </a:p>
@@ -3206,35 +3197,35 @@
           <a:p>
             <a:pPr lvl="0" eaLnBrk="1" latinLnBrk="0" hangingPunct="1"/>
             <a:r>
-              <a:rPr lang="ko-KR" altLang="en-US" smtClean="0"/>
+              <a:rPr lang="ko-KR" altLang="en-US"/>
               <a:t>마스터 텍스트 스타일을 편집합니다</a:t>
             </a:r>
           </a:p>
           <a:p>
             <a:pPr lvl="1" eaLnBrk="1" latinLnBrk="0" hangingPunct="1"/>
             <a:r>
-              <a:rPr lang="ko-KR" altLang="en-US" smtClean="0"/>
+              <a:rPr lang="ko-KR" altLang="en-US"/>
               <a:t>둘째 수준</a:t>
             </a:r>
           </a:p>
           <a:p>
             <a:pPr lvl="2" eaLnBrk="1" latinLnBrk="0" hangingPunct="1"/>
             <a:r>
-              <a:rPr lang="ko-KR" altLang="en-US" smtClean="0"/>
+              <a:rPr lang="ko-KR" altLang="en-US"/>
               <a:t>셋째 수준</a:t>
             </a:r>
           </a:p>
           <a:p>
             <a:pPr lvl="3" eaLnBrk="1" latinLnBrk="0" hangingPunct="1"/>
             <a:r>
-              <a:rPr lang="ko-KR" altLang="en-US" smtClean="0"/>
+              <a:rPr lang="ko-KR" altLang="en-US"/>
               <a:t>넷째 수준</a:t>
             </a:r>
           </a:p>
           <a:p>
             <a:pPr lvl="4" eaLnBrk="1" latinLnBrk="0" hangingPunct="1"/>
             <a:r>
-              <a:rPr lang="ko-KR" altLang="en-US" smtClean="0"/>
+              <a:rPr lang="ko-KR" altLang="en-US"/>
               <a:t>다섯째 수준</a:t>
             </a:r>
             <a:endParaRPr kumimoji="0" lang="en-US"/>
@@ -3302,7 +3293,7 @@
           <a:lstStyle/>
           <a:p>
             <a:r>
-              <a:rPr kumimoji="0" lang="ko-KR" altLang="en-US" smtClean="0"/>
+              <a:rPr kumimoji="0" lang="ko-KR" altLang="en-US"/>
               <a:t>마스터 제목 스타일 편집</a:t>
             </a:r>
             <a:endParaRPr kumimoji="0" lang="en-US"/>
@@ -3336,35 +3327,35 @@
           <a:p>
             <a:pPr lvl="0" eaLnBrk="1" latinLnBrk="0" hangingPunct="1"/>
             <a:r>
-              <a:rPr kumimoji="0" lang="ko-KR" altLang="en-US" smtClean="0"/>
+              <a:rPr kumimoji="0" lang="ko-KR" altLang="en-US"/>
               <a:t>마스터 텍스트 스타일을 편집합니다</a:t>
             </a:r>
           </a:p>
           <a:p>
             <a:pPr lvl="1" eaLnBrk="1" latinLnBrk="0" hangingPunct="1"/>
             <a:r>
-              <a:rPr kumimoji="0" lang="ko-KR" altLang="en-US" smtClean="0"/>
+              <a:rPr kumimoji="0" lang="ko-KR" altLang="en-US"/>
               <a:t>둘째 수준</a:t>
             </a:r>
           </a:p>
           <a:p>
             <a:pPr lvl="2" eaLnBrk="1" latinLnBrk="0" hangingPunct="1"/>
             <a:r>
-              <a:rPr kumimoji="0" lang="ko-KR" altLang="en-US" smtClean="0"/>
+              <a:rPr kumimoji="0" lang="ko-KR" altLang="en-US"/>
               <a:t>셋째 수준</a:t>
             </a:r>
           </a:p>
           <a:p>
             <a:pPr lvl="3" eaLnBrk="1" latinLnBrk="0" hangingPunct="1"/>
             <a:r>
-              <a:rPr kumimoji="0" lang="ko-KR" altLang="en-US" smtClean="0"/>
+              <a:rPr kumimoji="0" lang="ko-KR" altLang="en-US"/>
               <a:t>넷째 수준</a:t>
             </a:r>
           </a:p>
           <a:p>
             <a:pPr lvl="4" eaLnBrk="1" latinLnBrk="0" hangingPunct="1"/>
             <a:r>
-              <a:rPr kumimoji="0" lang="ko-KR" altLang="en-US" smtClean="0"/>
+              <a:rPr kumimoji="0" lang="ko-KR" altLang="en-US"/>
               <a:t>다섯째 수준</a:t>
             </a:r>
             <a:endParaRPr kumimoji="0" lang="en-US"/>
@@ -3404,7 +3395,7 @@
           <a:p>
             <a:fld id="{FD6EEEB4-41B3-4968-8015-BEFB44A931DD}" type="datetime1">
               <a:rPr lang="ko-KR" altLang="en-US" smtClean="0"/>
-              <a:t>2021-11-18</a:t>
+              <a:t>2021-11-20</a:t>
             </a:fld>
             <a:endParaRPr lang="es-ES" altLang="ko-KR" dirty="0"/>
           </a:p>
@@ -3519,13 +3510,6 @@
     <p:sldLayoutId id="2147483670" r:id="rId7"/>
     <p:sldLayoutId id="2147483671" r:id="rId8"/>
   </p:sldLayoutIdLst>
-  <p:timing>
-    <p:tnLst>
-      <p:par>
-        <p:cTn id="1" dur="indefinite" restart="never" nodeType="tmRoot"/>
-      </p:par>
-    </p:tnLst>
-  </p:timing>
   <p:hf hdr="0" ftr="0"/>
   <p:txStyles>
     <p:titleStyle>
@@ -3850,7 +3834,7 @@
           <a:p>
             <a:pPr algn="ctr"/>
             <a:r>
-              <a:rPr lang="en-US" altLang="ko-KR" dirty="0" smtClean="0"/>
+              <a:rPr lang="en-US" altLang="ko-KR" dirty="0"/>
               <a:t>Face Tracking</a:t>
             </a:r>
             <a:endParaRPr lang="ko-KR" altLang="en-US" dirty="0"/>
@@ -3880,7 +3864,7 @@
           <a:lstStyle/>
           <a:p>
             <a:r>
-              <a:rPr lang="en-US" altLang="ko-KR" sz="2800" b="1" dirty="0" smtClean="0">
+              <a:rPr lang="en-US" altLang="ko-KR" sz="2800" b="1" dirty="0">
                 <a:ln w="1905"/>
                 <a:gradFill>
                   <a:gsLst>
@@ -3917,7 +3901,7 @@
               <a:t>using </a:t>
             </a:r>
             <a:r>
-              <a:rPr lang="en-US" altLang="ko-KR" sz="2800" b="1" strike="sngStrike" dirty="0" err="1" smtClean="0">
+              <a:rPr lang="en-US" altLang="ko-KR" sz="2800" b="1" strike="sngStrike" dirty="0" err="1">
                 <a:ln w="1905"/>
                 <a:gradFill>
                   <a:gsLst>
@@ -3954,7 +3938,7 @@
               <a:t>OpenCV</a:t>
             </a:r>
             <a:r>
-              <a:rPr lang="en-US" altLang="ko-KR" sz="2800" b="1" dirty="0" smtClean="0">
+              <a:rPr lang="en-US" altLang="ko-KR" sz="2800" b="1" dirty="0">
                 <a:ln w="1905"/>
                 <a:gradFill>
                   <a:gsLst>
@@ -3991,7 +3975,7 @@
               <a:t>, </a:t>
             </a:r>
             <a:r>
-              <a:rPr lang="en-US" altLang="ko-KR" sz="2800" b="1" dirty="0" err="1" smtClean="0">
+              <a:rPr lang="en-US" altLang="ko-KR" sz="2800" b="1" dirty="0" err="1">
                 <a:ln w="1905"/>
                 <a:gradFill>
                   <a:gsLst>
@@ -4028,7 +4012,7 @@
               <a:t>dlib</a:t>
             </a:r>
             <a:r>
-              <a:rPr lang="en-US" altLang="ko-KR" sz="2800" b="1" dirty="0" smtClean="0">
+              <a:rPr lang="en-US" altLang="ko-KR" sz="2800" b="1" dirty="0">
                 <a:ln w="1905"/>
                 <a:gradFill>
                   <a:gsLst>
@@ -4065,7 +4049,7 @@
               <a:t>, </a:t>
             </a:r>
             <a:r>
-              <a:rPr lang="en-US" altLang="ko-KR" sz="2800" b="1" strike="sngStrike" dirty="0" err="1" smtClean="0">
+              <a:rPr lang="en-US" altLang="ko-KR" sz="2800" b="1" strike="sngStrike" dirty="0" err="1">
                 <a:ln w="1905"/>
                 <a:gradFill>
                   <a:gsLst>
@@ -4102,7 +4086,7 @@
               <a:t>face_recognition</a:t>
             </a:r>
             <a:r>
-              <a:rPr lang="en-US" altLang="ko-KR" sz="2800" b="1" dirty="0" smtClean="0">
+              <a:rPr lang="en-US" altLang="ko-KR" sz="2800" b="1" dirty="0">
                 <a:ln w="1905"/>
                 <a:gradFill>
                   <a:gsLst>
@@ -4139,7 +4123,7 @@
               <a:t>, </a:t>
             </a:r>
             <a:r>
-              <a:rPr lang="en-US" altLang="ko-KR" sz="2800" b="1" strike="sngStrike" dirty="0" err="1" smtClean="0">
+              <a:rPr lang="en-US" altLang="ko-KR" sz="2800" b="1" strike="sngStrike" dirty="0" err="1">
                 <a:ln w="1905"/>
                 <a:gradFill>
                   <a:gsLst>
@@ -4176,7 +4160,7 @@
               <a:t>cvlib</a:t>
             </a:r>
             <a:r>
-              <a:rPr lang="en-US" altLang="ko-KR" sz="2800" b="1" dirty="0" smtClean="0">
+              <a:rPr lang="en-US" altLang="ko-KR" sz="2800" b="1" dirty="0">
                 <a:ln w="1905"/>
                 <a:gradFill>
                   <a:gsLst>
@@ -4396,7 +4380,7 @@
           <a:p>
             <a:pPr algn="r"/>
             <a:r>
-              <a:rPr lang="en-US" altLang="ko-KR" sz="2800" b="1" cap="none" spc="0" dirty="0" smtClean="0">
+              <a:rPr lang="en-US" altLang="ko-KR" sz="2800" b="1" cap="none" spc="0" dirty="0">
                 <a:ln w="1905"/>
                 <a:gradFill>
                   <a:gsLst>
@@ -4433,7 +4417,7 @@
               <a:t>2021</a:t>
             </a:r>
             <a:r>
-              <a:rPr lang="ko-KR" altLang="en-US" sz="2800" b="1" cap="none" spc="0" dirty="0" smtClean="0">
+              <a:rPr lang="ko-KR" altLang="en-US" sz="2800" b="1" cap="none" spc="0" dirty="0">
                 <a:ln w="1905"/>
                 <a:gradFill>
                   <a:gsLst>
@@ -4470,7 +4454,7 @@
               <a:t>년 </a:t>
             </a:r>
             <a:r>
-              <a:rPr lang="en-US" altLang="ko-KR" sz="2800" b="1" cap="none" spc="0" dirty="0" smtClean="0">
+              <a:rPr lang="en-US" altLang="ko-KR" sz="2800" b="1" cap="none" spc="0" dirty="0">
                 <a:ln w="1905"/>
                 <a:gradFill>
                   <a:gsLst>
@@ -4507,7 +4491,7 @@
               <a:t>2</a:t>
             </a:r>
             <a:r>
-              <a:rPr lang="ko-KR" altLang="en-US" sz="2800" b="1" cap="none" spc="0" dirty="0" smtClean="0">
+              <a:rPr lang="ko-KR" altLang="en-US" sz="2800" b="1" cap="none" spc="0" dirty="0">
                 <a:ln w="1905"/>
                 <a:gradFill>
                   <a:gsLst>
@@ -4590,13 +4574,6 @@
   <p:clrMapOvr>
     <a:masterClrMapping/>
   </p:clrMapOvr>
-  <p:timing>
-    <p:tnLst>
-      <p:par>
-        <p:cTn id="1" dur="indefinite" restart="never" nodeType="tmRoot"/>
-      </p:par>
-    </p:tnLst>
-  </p:timing>
 </p:sld>
 </file>
 
@@ -4640,7 +4617,7 @@
               </a:lnSpc>
             </a:pPr>
             <a:r>
-              <a:rPr lang="en-US" altLang="ko-KR" dirty="0" smtClean="0"/>
+              <a:rPr lang="en-US" altLang="ko-KR" dirty="0"/>
               <a:t>Object Tracking</a:t>
             </a:r>
           </a:p>
@@ -4651,30 +4628,21 @@
               </a:lnSpc>
             </a:pPr>
             <a:r>
-              <a:rPr lang="ko-KR" altLang="en-US" dirty="0" smtClean="0"/>
+              <a:rPr lang="ko-KR" altLang="en-US" dirty="0"/>
               <a:t>목표</a:t>
             </a:r>
             <a:r>
-              <a:rPr lang="en-US" altLang="ko-KR" dirty="0" smtClean="0"/>
+              <a:rPr lang="en-US" altLang="ko-KR" dirty="0"/>
               <a:t>(target)</a:t>
             </a:r>
             <a:r>
-              <a:rPr lang="ko-KR" altLang="en-US" dirty="0" smtClean="0"/>
-              <a:t>이 주어졌을 때 </a:t>
-            </a:r>
-            <a:r>
               <a:rPr lang="ko-KR" altLang="en-US" dirty="0"/>
-              <a:t>이를 비디오 시퀀스 영상에서 </a:t>
-            </a:r>
-            <a:r>
-              <a:rPr lang="ko-KR" altLang="en-US" dirty="0" smtClean="0"/>
-              <a:t>찾아내 위치 정보를 반환해 주는 알고리즘을 통칭한다</a:t>
-            </a:r>
-            <a:r>
-              <a:rPr lang="en-US" altLang="ko-KR" dirty="0" smtClean="0"/>
+              <a:t>이 주어졌을 때 이를 비디오 시퀀스 영상에서 찾아내 위치 정보를 반환해 주는 알고리즘을 통칭한다</a:t>
+            </a:r>
+            <a:r>
+              <a:rPr lang="en-US" altLang="ko-KR" dirty="0"/>
               <a:t>.</a:t>
             </a:r>
-            <a:endParaRPr lang="en-US" altLang="ko-KR" dirty="0" smtClean="0"/>
           </a:p>
           <a:p>
             <a:pPr>
@@ -4683,35 +4651,27 @@
               </a:lnSpc>
             </a:pPr>
             <a:r>
-              <a:rPr lang="ko-KR" altLang="en-US" dirty="0" smtClean="0"/>
+              <a:rPr lang="ko-KR" altLang="en-US" dirty="0"/>
               <a:t>여기서는 </a:t>
             </a:r>
             <a:r>
-              <a:rPr lang="en-US" altLang="ko-KR" dirty="0" err="1" smtClean="0"/>
+              <a:rPr lang="en-US" altLang="ko-KR" dirty="0" err="1"/>
               <a:t>dlib</a:t>
             </a:r>
             <a:r>
-              <a:rPr lang="ko-KR" altLang="en-US" dirty="0" smtClean="0"/>
+              <a:rPr lang="ko-KR" altLang="en-US" dirty="0"/>
               <a:t>에서 지원하는 </a:t>
             </a:r>
             <a:r>
-              <a:rPr lang="en-US" altLang="ko-KR" dirty="0" smtClean="0"/>
-              <a:t>discriminative </a:t>
-            </a:r>
-            <a:r>
-              <a:rPr lang="en-US" altLang="ko-KR" dirty="0"/>
-              <a:t>correlation filter (DCF)-based visual </a:t>
-            </a:r>
-            <a:r>
-              <a:rPr lang="en-US" altLang="ko-KR" dirty="0" smtClean="0"/>
-              <a:t>trackers</a:t>
-            </a:r>
-            <a:r>
-              <a:rPr lang="ko-KR" altLang="en-US" dirty="0" smtClean="0"/>
+              <a:rPr lang="en-US" altLang="ko-KR" dirty="0"/>
+              <a:t>discriminative correlation filter (DCF)-based visual trackers</a:t>
+            </a:r>
+            <a:r>
+              <a:rPr lang="ko-KR" altLang="en-US" dirty="0"/>
               <a:t>를 다루고자 한다</a:t>
             </a:r>
             <a:r>
-              <a:rPr lang="en-US" altLang="ko-KR" dirty="0" smtClean="0"/>
+              <a:rPr lang="en-US" altLang="ko-KR" dirty="0"/>
               <a:t>.</a:t>
             </a:r>
           </a:p>
@@ -4735,17 +4695,13 @@
             </a:r>
             <a:r>
               <a:rPr lang="en-US" altLang="ko-KR" dirty="0"/>
-              <a:t>) 2014 </a:t>
-            </a:r>
-            <a:r>
-              <a:rPr lang="en-US" altLang="ko-KR" dirty="0" smtClean="0"/>
-              <a:t>Challenge</a:t>
-            </a:r>
-            <a:r>
-              <a:rPr lang="ko-KR" altLang="en-US" dirty="0" smtClean="0"/>
+              <a:t>) 2014 Challenge</a:t>
+            </a:r>
+            <a:r>
+              <a:rPr lang="ko-KR" altLang="en-US" dirty="0"/>
               <a:t>에서 우승</a:t>
             </a:r>
-            <a:endParaRPr lang="en-US" altLang="ko-KR" dirty="0" smtClean="0"/>
+            <a:endParaRPr lang="en-US" altLang="ko-KR" dirty="0"/>
           </a:p>
           <a:p>
             <a:pPr lvl="1">
@@ -4758,22 +4714,18 @@
               <a:t>DCF trackers are currently a very popular method of choice for bounding </a:t>
             </a:r>
             <a:r>
-              <a:rPr lang="en-US" altLang="ko-KR" sz="2900" dirty="0" err="1" smtClean="0"/>
+              <a:rPr lang="en-US" altLang="ko-KR" sz="2900" dirty="0" err="1"/>
               <a:t>boxbased</a:t>
             </a:r>
             <a:r>
-              <a:rPr lang="en-US" altLang="ko-KR" sz="2900" dirty="0" smtClean="0"/>
+              <a:rPr lang="en-US" altLang="ko-KR" sz="2900" dirty="0"/>
               <a:t> </a:t>
             </a:r>
             <a:r>
-              <a:rPr lang="en-US" altLang="ko-KR" sz="3200" dirty="0" smtClean="0"/>
-              <a:t>tracking</a:t>
-            </a:r>
-            <a:r>
               <a:rPr lang="en-US" altLang="ko-KR" sz="3200" dirty="0"/>
-              <a:t>.</a:t>
-            </a:r>
-            <a:endParaRPr lang="en-US" altLang="ko-KR" dirty="0" smtClean="0"/>
+              <a:t>tracking.</a:t>
+            </a:r>
+            <a:endParaRPr lang="en-US" altLang="ko-KR" dirty="0"/>
           </a:p>
           <a:p>
             <a:pPr lvl="1">
@@ -4782,11 +4734,11 @@
               </a:lnSpc>
             </a:pPr>
             <a:r>
-              <a:rPr lang="ko-KR" altLang="en-US" dirty="0" smtClean="0"/>
+              <a:rPr lang="ko-KR" altLang="en-US" dirty="0"/>
               <a:t>얼굴뿐만 아니라 일반적인 사물 추적에 적합</a:t>
             </a:r>
             <a:r>
-              <a:rPr lang="en-US" altLang="ko-KR" dirty="0" smtClean="0"/>
+              <a:rPr lang="en-US" altLang="ko-KR" dirty="0"/>
               <a:t>.</a:t>
             </a:r>
           </a:p>
@@ -4797,11 +4749,11 @@
               </a:lnSpc>
             </a:pPr>
             <a:r>
-              <a:rPr lang="ko-KR" altLang="en-US" dirty="0" smtClean="0"/>
+              <a:rPr lang="ko-KR" altLang="en-US" dirty="0"/>
               <a:t>이론적 기반</a:t>
             </a:r>
             <a:r>
-              <a:rPr lang="en-US" altLang="ko-KR" dirty="0" smtClean="0"/>
+              <a:rPr lang="en-US" altLang="ko-KR" dirty="0"/>
               <a:t>: </a:t>
             </a:r>
             <a:r>
@@ -4829,10 +4781,10 @@
               </a:lnSpc>
             </a:pPr>
             <a:r>
-              <a:rPr lang="ko-KR" altLang="en-US" dirty="0" smtClean="0"/>
+              <a:rPr lang="ko-KR" altLang="en-US" dirty="0"/>
               <a:t>처음 시작할 때 추적 대상만 지정해 주는 것만이 요구사항</a:t>
             </a:r>
-            <a:endParaRPr lang="en-US" altLang="ko-KR" dirty="0" smtClean="0"/>
+            <a:endParaRPr lang="en-US" altLang="ko-KR" dirty="0"/>
           </a:p>
         </p:txBody>
       </p:sp>
@@ -4852,10 +4804,9 @@
           <a:lstStyle/>
           <a:p>
             <a:r>
-              <a:rPr lang="ko-KR" altLang="en-US" dirty="0" smtClean="0"/>
+              <a:rPr lang="ko-KR" altLang="en-US" dirty="0"/>
               <a:t>얼굴 추적</a:t>
             </a:r>
-            <a:endParaRPr lang="ko-KR" altLang="en-US" dirty="0"/>
           </a:p>
         </p:txBody>
       </p:sp>
@@ -4913,107 +4864,87 @@
           <a:p>
             <a:r>
               <a:rPr lang="ko-KR" altLang="en-US" dirty="0"/>
-              <a:t>동작 </a:t>
-            </a:r>
-            <a:r>
-              <a:rPr lang="ko-KR" altLang="en-US" dirty="0" smtClean="0"/>
-              <a:t>설명</a:t>
-            </a:r>
-            <a:endParaRPr lang="en-US" altLang="ko-KR" dirty="0" smtClean="0"/>
+              <a:t>동작 설명</a:t>
+            </a:r>
+            <a:endParaRPr lang="en-US" altLang="ko-KR" dirty="0"/>
           </a:p>
           <a:p>
             <a:pPr lvl="1"/>
             <a:r>
-              <a:rPr lang="ko-KR" altLang="en-US" dirty="0" smtClean="0"/>
-              <a:t>처음 </a:t>
-            </a:r>
-            <a:r>
               <a:rPr lang="ko-KR" altLang="en-US" dirty="0"/>
-              <a:t>얼굴이 인식되는 사람을 목표로 추적을 시작한다</a:t>
-            </a:r>
-            <a:r>
-              <a:rPr lang="en-US" altLang="ko-KR" dirty="0" smtClean="0"/>
+              <a:t>처음 얼굴이 인식되는 사람을 목표로 추적을 시작한다</a:t>
+            </a:r>
+            <a:r>
+              <a:rPr lang="en-US" altLang="ko-KR" dirty="0"/>
               <a:t>.</a:t>
             </a:r>
           </a:p>
           <a:p>
             <a:pPr lvl="2"/>
             <a:r>
-              <a:rPr lang="ko-KR" altLang="en-US" dirty="0" smtClean="0"/>
+              <a:rPr lang="ko-KR" altLang="en-US" dirty="0"/>
               <a:t>첫 화면에서 </a:t>
             </a:r>
             <a:r>
-              <a:rPr lang="en-US" altLang="ko-KR" dirty="0" err="1" smtClean="0"/>
+              <a:rPr lang="en-US" altLang="ko-KR" dirty="0" err="1"/>
               <a:t>dlib</a:t>
             </a:r>
             <a:r>
-              <a:rPr lang="en-US" altLang="ko-KR" dirty="0" smtClean="0"/>
+              <a:rPr lang="en-US" altLang="ko-KR" dirty="0"/>
               <a:t> face detector</a:t>
             </a:r>
             <a:r>
-              <a:rPr lang="ko-KR" altLang="en-US" dirty="0" smtClean="0"/>
+              <a:rPr lang="ko-KR" altLang="en-US" dirty="0"/>
               <a:t>가 얼굴을 자동 검출한다</a:t>
             </a:r>
             <a:r>
-              <a:rPr lang="en-US" altLang="ko-KR" dirty="0" smtClean="0"/>
+              <a:rPr lang="en-US" altLang="ko-KR" dirty="0"/>
               <a:t>.</a:t>
             </a:r>
           </a:p>
           <a:p>
             <a:pPr lvl="2"/>
             <a:r>
-              <a:rPr lang="ko-KR" altLang="en-US" dirty="0" smtClean="0"/>
+              <a:rPr lang="ko-KR" altLang="en-US" dirty="0"/>
               <a:t>검출된 얼굴들의 첫번째를 추적 대상으로 선정한다</a:t>
             </a:r>
             <a:r>
-              <a:rPr lang="en-US" altLang="ko-KR" dirty="0" smtClean="0"/>
+              <a:rPr lang="en-US" altLang="ko-KR" dirty="0"/>
               <a:t>.</a:t>
             </a:r>
             <a:r>
-              <a:rPr lang="ko-KR" altLang="en-US" dirty="0" smtClean="0"/>
+              <a:rPr lang="ko-KR" altLang="en-US" dirty="0"/>
               <a:t> </a:t>
             </a:r>
-            <a:endParaRPr lang="en-US" altLang="ko-KR" dirty="0" smtClean="0"/>
+            <a:endParaRPr lang="en-US" altLang="ko-KR" dirty="0"/>
           </a:p>
           <a:p>
             <a:pPr lvl="1"/>
             <a:r>
-              <a:rPr lang="ko-KR" altLang="en-US" dirty="0" smtClean="0"/>
-              <a:t>추적 </a:t>
-            </a:r>
-            <a:r>
               <a:rPr lang="ko-KR" altLang="en-US" dirty="0"/>
-              <a:t>대상은 녹색 사각형으로 표시한다</a:t>
-            </a:r>
-            <a:r>
-              <a:rPr lang="en-US" altLang="ko-KR" dirty="0" smtClean="0"/>
+              <a:t>추적 대상은 녹색 사각형으로 표시한다</a:t>
+            </a:r>
+            <a:r>
+              <a:rPr lang="en-US" altLang="ko-KR" dirty="0"/>
               <a:t>.</a:t>
             </a:r>
           </a:p>
           <a:p>
             <a:pPr lvl="1"/>
             <a:r>
-              <a:rPr lang="ko-KR" altLang="en-US" dirty="0" smtClean="0"/>
-              <a:t>다시 </a:t>
-            </a:r>
-            <a:r>
               <a:rPr lang="ko-KR" altLang="en-US" dirty="0"/>
-              <a:t>사람을 인식하게 하고 싶으면 스페이스바를 입력한다</a:t>
-            </a:r>
-            <a:r>
-              <a:rPr lang="en-US" altLang="ko-KR" dirty="0" smtClean="0"/>
+              <a:t>다시 사람을 인식하게 하고 싶으면 스페이스바를 입력한다</a:t>
+            </a:r>
+            <a:r>
+              <a:rPr lang="en-US" altLang="ko-KR" dirty="0"/>
               <a:t>.</a:t>
             </a:r>
           </a:p>
           <a:p>
             <a:pPr lvl="1"/>
             <a:r>
-              <a:rPr lang="ko-KR" altLang="en-US" dirty="0" smtClean="0"/>
-              <a:t>종료할 </a:t>
-            </a:r>
-            <a:r>
               <a:rPr lang="ko-KR" altLang="en-US" dirty="0"/>
-              <a:t>때는 </a:t>
+              <a:t>종료할 때는 </a:t>
             </a:r>
             <a:r>
               <a:rPr lang="en-US" altLang="ko-KR" dirty="0"/>
@@ -5051,14 +4982,13 @@
           <a:lstStyle/>
           <a:p>
             <a:r>
-              <a:rPr lang="en-US" altLang="ko-KR" sz="3200" dirty="0" smtClean="0"/>
+              <a:rPr lang="en-US" altLang="ko-KR" sz="3200" dirty="0"/>
               <a:t>USB </a:t>
             </a:r>
             <a:r>
-              <a:rPr lang="ko-KR" altLang="en-US" sz="3200" dirty="0" smtClean="0"/>
+              <a:rPr lang="ko-KR" altLang="en-US" sz="3200" dirty="0"/>
               <a:t>캠 혹은 비디오 파일의 얼굴 추적하기</a:t>
             </a:r>
-            <a:endParaRPr lang="ko-KR" altLang="en-US" sz="3200" dirty="0"/>
           </a:p>
         </p:txBody>
       </p:sp>
@@ -5095,13 +5025,6 @@
               </a:rPr>
               <a:t>1_face_tracking_DCF.py</a:t>
             </a:r>
-            <a:endParaRPr lang="en-US" altLang="ko-KR" sz="1600" b="1" dirty="0">
-              <a:solidFill>
-                <a:srgbClr val="C00000"/>
-              </a:solidFill>
-              <a:latin typeface="나눔고딕" panose="020D0604000000000000" pitchFamily="50" charset="-127"/>
-              <a:ea typeface="나눔고딕" panose="020D0604000000000000" pitchFamily="50" charset="-127"/>
-            </a:endParaRPr>
           </a:p>
         </p:txBody>
       </p:sp>
@@ -5238,12 +5161,8 @@
           </a:p>
           <a:p>
             <a:r>
-              <a:rPr lang="en-US" altLang="ko-KR" dirty="0" smtClean="0"/>
-              <a:t>1</a:t>
-            </a:r>
-            <a:r>
-              <a:rPr lang="en-US" altLang="ko-KR" dirty="0" smtClean="0"/>
-              <a:t>) </a:t>
+              <a:rPr lang="en-US" altLang="ko-KR" dirty="0"/>
+              <a:t>1) </a:t>
             </a:r>
             <a:r>
               <a:rPr lang="en-US" altLang="ko-KR" dirty="0" err="1"/>
@@ -5259,22 +5178,14 @@
             </a:r>
             <a:r>
               <a:rPr lang="en-US" altLang="ko-KR" dirty="0"/>
-              <a:t>frontal face </a:t>
-            </a:r>
-            <a:r>
-              <a:rPr lang="en-US" altLang="ko-KR" dirty="0" smtClean="0"/>
-              <a:t>detector</a:t>
-            </a:r>
-            <a:r>
-              <a:rPr lang="ko-KR" altLang="en-US" dirty="0" smtClean="0"/>
-              <a:t>를 </a:t>
+              <a:t>frontal face detector</a:t>
             </a:r>
             <a:r>
               <a:rPr lang="ko-KR" altLang="en-US" dirty="0"/>
-              <a:t>생성한다</a:t>
-            </a:r>
-            <a:r>
-              <a:rPr lang="en-US" altLang="ko-KR" dirty="0" smtClean="0"/>
+              <a:t>를 생성한다</a:t>
+            </a:r>
+            <a:r>
+              <a:rPr lang="en-US" altLang="ko-KR" dirty="0"/>
               <a:t>.</a:t>
             </a:r>
           </a:p>
@@ -5295,12 +5206,8 @@
           </a:p>
           <a:p>
             <a:r>
-              <a:rPr lang="en-US" altLang="ko-KR" dirty="0" smtClean="0"/>
-              <a:t>2</a:t>
-            </a:r>
-            <a:r>
-              <a:rPr lang="en-US" altLang="ko-KR" dirty="0"/>
-              <a:t>) </a:t>
+              <a:rPr lang="en-US" altLang="ko-KR" dirty="0"/>
+              <a:t>2) </a:t>
             </a:r>
             <a:r>
               <a:rPr lang="en-US" altLang="ko-KR" dirty="0" err="1"/>
@@ -5323,7 +5230,7 @@
               <a:t>를 생성한다</a:t>
             </a:r>
             <a:r>
-              <a:rPr lang="en-US" altLang="ko-KR" dirty="0" smtClean="0"/>
+              <a:rPr lang="en-US" altLang="ko-KR" dirty="0"/>
               <a:t>.</a:t>
             </a:r>
           </a:p>
@@ -5338,10 +5245,9 @@
               <a:t>dlib.correlation_tracker</a:t>
             </a:r>
             <a:r>
-              <a:rPr lang="en-US" altLang="ko-KR" dirty="0" smtClean="0"/>
+              <a:rPr lang="en-US" altLang="ko-KR" dirty="0"/>
               <a:t>()</a:t>
             </a:r>
-            <a:endParaRPr lang="en-US" altLang="ko-KR" dirty="0"/>
           </a:p>
           <a:p>
             <a:r>
@@ -5353,22 +5259,18 @@
               <a:t>얼굴 추적 중이 아니라면</a:t>
             </a:r>
             <a:r>
-              <a:rPr lang="en-US" altLang="ko-KR" dirty="0" smtClean="0"/>
+              <a:rPr lang="en-US" altLang="ko-KR" dirty="0"/>
               <a:t>...</a:t>
             </a:r>
           </a:p>
           <a:p>
             <a:pPr lvl="1"/>
             <a:r>
-              <a:rPr lang="ko-KR" altLang="en-US" dirty="0" smtClean="0"/>
-              <a:t>영상을 </a:t>
-            </a:r>
-            <a:r>
               <a:rPr lang="ko-KR" altLang="en-US" dirty="0"/>
-              <a:t>모노로 바꾸어 얼굴을 다시 검출하여 검출된 얼굴이 있으면 이를 목표 영상으로 설정한다</a:t>
-            </a:r>
-            <a:r>
-              <a:rPr lang="en-US" altLang="ko-KR" dirty="0" smtClean="0"/>
+              <a:t>영상을 모노로 바꾸어 얼굴을 다시 검출하여 검출된 얼굴이 있으면 이를 목표 영상으로 설정한다</a:t>
+            </a:r>
+            <a:r>
+              <a:rPr lang="en-US" altLang="ko-KR" dirty="0"/>
               <a:t>.</a:t>
             </a:r>
           </a:p>
@@ -5432,7 +5334,6 @@
               <a:rPr lang="en-US" altLang="ko-KR" dirty="0"/>
               <a:t>[0])</a:t>
             </a:r>
-            <a:endParaRPr lang="en-US" altLang="ko-KR" dirty="0"/>
           </a:p>
           <a:p>
             <a:r>
@@ -5444,19 +5345,15 @@
               <a:t>얼굴 추적 중이라면</a:t>
             </a:r>
             <a:r>
-              <a:rPr lang="en-US" altLang="ko-KR" dirty="0" smtClean="0"/>
+              <a:rPr lang="en-US" altLang="ko-KR" dirty="0"/>
               <a:t>...</a:t>
             </a:r>
           </a:p>
           <a:p>
             <a:pPr lvl="1"/>
             <a:r>
-              <a:rPr lang="ko-KR" altLang="en-US" dirty="0" smtClean="0"/>
-              <a:t>추적기를 </a:t>
-            </a:r>
-            <a:r>
               <a:rPr lang="ko-KR" altLang="en-US" dirty="0"/>
-              <a:t>업데이크하고 검출 신뢰 점수를 출력하고</a:t>
+              <a:t>추적기를 업데이크하고 검출 신뢰 점수를 출력하고</a:t>
             </a:r>
             <a:r>
               <a:rPr lang="en-US" altLang="ko-KR" dirty="0"/>
@@ -5475,7 +5372,7 @@
               <a:t>각형을 그린다</a:t>
             </a:r>
             <a:r>
-              <a:rPr lang="en-US" altLang="ko-KR" dirty="0" smtClean="0"/>
+              <a:rPr lang="en-US" altLang="ko-KR" dirty="0"/>
               <a:t>.</a:t>
             </a:r>
           </a:p>
@@ -5581,22 +5478,13 @@
             </a:r>
             <a:r>
               <a:rPr lang="en-US" altLang="ko-KR" dirty="0"/>
-              <a:t>())) </a:t>
-            </a:r>
-            <a:r>
-              <a:rPr lang="en-US" altLang="ko-KR" dirty="0" smtClean="0"/>
-              <a:t>…</a:t>
-            </a:r>
-            <a:endParaRPr lang="en-US" altLang="ko-KR" dirty="0"/>
-          </a:p>
-          <a:p>
-            <a:r>
-              <a:rPr lang="en-US" altLang="ko-KR" dirty="0" smtClean="0"/>
-              <a:t>4</a:t>
-            </a:r>
-            <a:r>
-              <a:rPr lang="en-US" altLang="ko-KR" dirty="0"/>
-              <a:t>) </a:t>
+              <a:t>())) …</a:t>
+            </a:r>
+          </a:p>
+          <a:p>
+            <a:r>
+              <a:rPr lang="en-US" altLang="ko-KR" dirty="0"/>
+              <a:t>4) </a:t>
             </a:r>
             <a:r>
               <a:rPr lang="ko-KR" altLang="en-US" dirty="0"/>
@@ -5609,12 +5497,8 @@
           </a:p>
           <a:p>
             <a:r>
-              <a:rPr lang="en-US" altLang="ko-KR" dirty="0" smtClean="0"/>
-              <a:t>5</a:t>
-            </a:r>
-            <a:r>
-              <a:rPr lang="en-US" altLang="ko-KR" dirty="0"/>
-              <a:t>) </a:t>
+              <a:rPr lang="en-US" altLang="ko-KR" dirty="0"/>
+              <a:t>5) </a:t>
             </a:r>
             <a:r>
               <a:rPr lang="ko-KR" altLang="en-US" dirty="0"/>
@@ -5645,7 +5529,7 @@
               <a:t>출력지연시간을 유지한다</a:t>
             </a:r>
             <a:r>
-              <a:rPr lang="en-US" altLang="ko-KR" dirty="0" smtClean="0"/>
+              <a:rPr lang="en-US" altLang="ko-KR" dirty="0"/>
               <a:t>.</a:t>
             </a:r>
           </a:p>
@@ -5655,17 +5539,12 @@
               <a:rPr lang="en-US" altLang="ko-KR" dirty="0"/>
               <a:t>cv2.waitKey(1000//30 - 3) </a:t>
             </a:r>
-            <a:endParaRPr lang="en-US" altLang="ko-KR" dirty="0" smtClean="0"/>
           </a:p>
           <a:p>
             <a:pPr lvl="1"/>
             <a:r>
-              <a:rPr lang="ko-KR" altLang="en-US" dirty="0" smtClean="0"/>
-              <a:t>이 </a:t>
-            </a:r>
-            <a:r>
               <a:rPr lang="ko-KR" altLang="en-US" dirty="0"/>
-              <a:t>지연시간 때문에 키보드 입력을 놓치는 경우가 많다</a:t>
+              <a:t>이 지연시간 때문에 키보드 입력을 놓치는 경우가 많다</a:t>
             </a:r>
             <a:r>
               <a:rPr lang="en-US" altLang="ko-KR" dirty="0"/>
@@ -5698,7 +5577,6 @@
               <a:rPr lang="ko-KR" altLang="en-US" sz="3200" dirty="0"/>
               <a:t>프로그램 수행 절차</a:t>
             </a:r>
-            <a:endParaRPr lang="ko-KR" altLang="en-US" sz="3200" dirty="0"/>
           </a:p>
         </p:txBody>
       </p:sp>
@@ -5735,13 +5613,6 @@
               </a:rPr>
               <a:t>1_face_tracking_DCF.py</a:t>
             </a:r>
-            <a:endParaRPr lang="en-US" altLang="ko-KR" sz="1600" b="1" dirty="0">
-              <a:solidFill>
-                <a:srgbClr val="C00000"/>
-              </a:solidFill>
-              <a:latin typeface="나눔고딕" panose="020D0604000000000000" pitchFamily="50" charset="-127"/>
-              <a:ea typeface="나눔고딕" panose="020D0604000000000000" pitchFamily="50" charset="-127"/>
-            </a:endParaRPr>
           </a:p>
         </p:txBody>
       </p:sp>
@@ -5804,13 +5675,9 @@
             </a:pPr>
             <a:r>
               <a:rPr lang="ko-KR" altLang="en-US" dirty="0"/>
-              <a:t>동작 </a:t>
-            </a:r>
-            <a:r>
-              <a:rPr lang="ko-KR" altLang="en-US" dirty="0" smtClean="0"/>
-              <a:t>설명</a:t>
-            </a:r>
-            <a:endParaRPr lang="en-US" altLang="ko-KR" dirty="0" smtClean="0"/>
+              <a:t>동작 설명</a:t>
+            </a:r>
+            <a:endParaRPr lang="en-US" altLang="ko-KR" dirty="0"/>
           </a:p>
           <a:p>
             <a:pPr lvl="1">
@@ -5934,7 +5801,6 @@
               <a:rPr lang="en-US" altLang="ko-KR" dirty="0"/>
               <a:t>.</a:t>
             </a:r>
-            <a:endParaRPr lang="en-US" altLang="ko-KR" dirty="0"/>
           </a:p>
         </p:txBody>
       </p:sp>
@@ -5956,14 +5822,13 @@
           <a:lstStyle/>
           <a:p>
             <a:r>
-              <a:rPr lang="en-US" altLang="ko-KR" sz="3200" dirty="0" smtClean="0"/>
+              <a:rPr lang="en-US" altLang="ko-KR" sz="3200" dirty="0"/>
               <a:t>USB </a:t>
             </a:r>
             <a:r>
-              <a:rPr lang="ko-KR" altLang="en-US" sz="3200" dirty="0" smtClean="0"/>
+              <a:rPr lang="ko-KR" altLang="en-US" sz="3200" dirty="0"/>
               <a:t>캠 영상에서 얼굴 추적하기</a:t>
             </a:r>
-            <a:endParaRPr lang="ko-KR" altLang="en-US" sz="3200" dirty="0"/>
           </a:p>
         </p:txBody>
       </p:sp>
@@ -5991,7 +5856,7 @@
           <a:p>
             <a:pPr algn="r"/>
             <a:r>
-              <a:rPr lang="en-US" altLang="ko-KR" sz="1600" b="1" dirty="0" smtClean="0">
+              <a:rPr lang="en-US" altLang="ko-KR" sz="1600" b="1" dirty="0">
                 <a:solidFill>
                   <a:srgbClr val="C00000"/>
                 </a:solidFill>
@@ -6000,13 +5865,6 @@
               </a:rPr>
               <a:t>2_object_tracking_correlation_filters.py</a:t>
             </a:r>
-            <a:endParaRPr lang="en-US" altLang="ko-KR" sz="1600" b="1" dirty="0">
-              <a:solidFill>
-                <a:srgbClr val="C00000"/>
-              </a:solidFill>
-              <a:latin typeface="나눔고딕" panose="020D0604000000000000" pitchFamily="50" charset="-127"/>
-              <a:ea typeface="나눔고딕" panose="020D0604000000000000" pitchFamily="50" charset="-127"/>
-            </a:endParaRPr>
           </a:p>
         </p:txBody>
       </p:sp>
